--- a/Doc/apresentacao/Apresentacao_12_06/17.04 - Slide/SIMATIC Slide.pptx
+++ b/Doc/apresentacao/Apresentacao_12_06/17.04 - Slide/SIMATIC Slide.pptx
@@ -14,8 +14,6 @@
     <p:sldId id="261" r:id="rId9"/>
     <p:sldId id="262" r:id="rId10"/>
     <p:sldId id="263" r:id="rId11"/>
-    <p:sldId id="264" r:id="rId12"/>
-    <p:sldId id="265" r:id="rId13"/>
   </p:sldIdLst>
   <p:sldSz cx="9144000" cy="6858000"/>
   <p:notesSz cx="7559675" cy="10691812"/>
@@ -83,7 +81,8 @@
         <p:txBody>
           <a:bodyPr lIns="0" rIns="0" tIns="0" bIns="0" anchor="ctr"/>
           <a:p>
-            <a:endParaRPr b="0" lang="pt-BR" sz="1800" spc="-1" strike="noStrike">
+            <a:pPr algn="ctr"/>
+            <a:endParaRPr b="0" lang="pt-BR" sz="4400" spc="-1" strike="noStrike">
               <a:solidFill>
                 <a:srgbClr val="000000"/>
               </a:solidFill>
@@ -121,7 +120,7 @@
             <a:normAutofit/>
           </a:bodyPr>
           <a:p>
-            <a:endParaRPr b="0" lang="pt-BR" sz="2800" spc="-1" strike="noStrike">
+            <a:endParaRPr b="0" lang="pt-BR" sz="3200" spc="-1" strike="noStrike">
               <a:solidFill>
                 <a:srgbClr val="000000"/>
               </a:solidFill>
@@ -159,7 +158,7 @@
             <a:normAutofit/>
           </a:bodyPr>
           <a:p>
-            <a:endParaRPr b="0" lang="pt-BR" sz="2800" spc="-1" strike="noStrike">
+            <a:endParaRPr b="0" lang="pt-BR" sz="3200" spc="-1" strike="noStrike">
               <a:solidFill>
                 <a:srgbClr val="000000"/>
               </a:solidFill>
@@ -217,7 +216,8 @@
         <p:txBody>
           <a:bodyPr lIns="0" rIns="0" tIns="0" bIns="0" anchor="ctr"/>
           <a:p>
-            <a:endParaRPr b="0" lang="pt-BR" sz="1800" spc="-1" strike="noStrike">
+            <a:pPr algn="ctr"/>
+            <a:endParaRPr b="0" lang="pt-BR" sz="4400" spc="-1" strike="noStrike">
               <a:solidFill>
                 <a:srgbClr val="000000"/>
               </a:solidFill>
@@ -255,7 +255,7 @@
             <a:normAutofit/>
           </a:bodyPr>
           <a:p>
-            <a:endParaRPr b="0" lang="pt-BR" sz="2800" spc="-1" strike="noStrike">
+            <a:endParaRPr b="0" lang="pt-BR" sz="3200" spc="-1" strike="noStrike">
               <a:solidFill>
                 <a:srgbClr val="000000"/>
               </a:solidFill>
@@ -293,7 +293,7 @@
             <a:normAutofit/>
           </a:bodyPr>
           <a:p>
-            <a:endParaRPr b="0" lang="pt-BR" sz="2800" spc="-1" strike="noStrike">
+            <a:endParaRPr b="0" lang="pt-BR" sz="3200" spc="-1" strike="noStrike">
               <a:solidFill>
                 <a:srgbClr val="000000"/>
               </a:solidFill>
@@ -331,7 +331,7 @@
             <a:normAutofit/>
           </a:bodyPr>
           <a:p>
-            <a:endParaRPr b="0" lang="pt-BR" sz="2800" spc="-1" strike="noStrike">
+            <a:endParaRPr b="0" lang="pt-BR" sz="3200" spc="-1" strike="noStrike">
               <a:solidFill>
                 <a:srgbClr val="000000"/>
               </a:solidFill>
@@ -369,7 +369,7 @@
             <a:normAutofit/>
           </a:bodyPr>
           <a:p>
-            <a:endParaRPr b="0" lang="pt-BR" sz="2800" spc="-1" strike="noStrike">
+            <a:endParaRPr b="0" lang="pt-BR" sz="3200" spc="-1" strike="noStrike">
               <a:solidFill>
                 <a:srgbClr val="000000"/>
               </a:solidFill>
@@ -427,7 +427,8 @@
         <p:txBody>
           <a:bodyPr lIns="0" rIns="0" tIns="0" bIns="0" anchor="ctr"/>
           <a:p>
-            <a:endParaRPr b="0" lang="pt-BR" sz="1800" spc="-1" strike="noStrike">
+            <a:pPr algn="ctr"/>
+            <a:endParaRPr b="0" lang="pt-BR" sz="4400" spc="-1" strike="noStrike">
               <a:solidFill>
                 <a:srgbClr val="000000"/>
               </a:solidFill>
@@ -465,7 +466,7 @@
             <a:normAutofit/>
           </a:bodyPr>
           <a:p>
-            <a:endParaRPr b="0" lang="pt-BR" sz="2800" spc="-1" strike="noStrike">
+            <a:endParaRPr b="0" lang="pt-BR" sz="3200" spc="-1" strike="noStrike">
               <a:solidFill>
                 <a:srgbClr val="000000"/>
               </a:solidFill>
@@ -503,7 +504,7 @@
             <a:normAutofit/>
           </a:bodyPr>
           <a:p>
-            <a:endParaRPr b="0" lang="pt-BR" sz="2800" spc="-1" strike="noStrike">
+            <a:endParaRPr b="0" lang="pt-BR" sz="3200" spc="-1" strike="noStrike">
               <a:solidFill>
                 <a:srgbClr val="000000"/>
               </a:solidFill>
@@ -629,7 +630,8 @@
         <p:txBody>
           <a:bodyPr lIns="0" rIns="0" tIns="0" bIns="0" anchor="ctr"/>
           <a:p>
-            <a:endParaRPr b="0" lang="pt-BR" sz="1800" spc="-1" strike="noStrike">
+            <a:pPr algn="ctr"/>
+            <a:endParaRPr b="0" lang="pt-BR" sz="4400" spc="-1" strike="noStrike">
               <a:solidFill>
                 <a:srgbClr val="000000"/>
               </a:solidFill>
@@ -724,7 +726,8 @@
         <p:txBody>
           <a:bodyPr lIns="0" rIns="0" tIns="0" bIns="0" anchor="ctr"/>
           <a:p>
-            <a:endParaRPr b="0" lang="pt-BR" sz="1800" spc="-1" strike="noStrike">
+            <a:pPr algn="ctr"/>
+            <a:endParaRPr b="0" lang="pt-BR" sz="4400" spc="-1" strike="noStrike">
               <a:solidFill>
                 <a:srgbClr val="000000"/>
               </a:solidFill>
@@ -762,7 +765,7 @@
             <a:normAutofit/>
           </a:bodyPr>
           <a:p>
-            <a:endParaRPr b="0" lang="pt-BR" sz="2800" spc="-1" strike="noStrike">
+            <a:endParaRPr b="0" lang="pt-BR" sz="3200" spc="-1" strike="noStrike">
               <a:solidFill>
                 <a:srgbClr val="000000"/>
               </a:solidFill>
@@ -820,7 +823,8 @@
         <p:txBody>
           <a:bodyPr lIns="0" rIns="0" tIns="0" bIns="0" anchor="ctr"/>
           <a:p>
-            <a:endParaRPr b="0" lang="pt-BR" sz="1800" spc="-1" strike="noStrike">
+            <a:pPr algn="ctr"/>
+            <a:endParaRPr b="0" lang="pt-BR" sz="4400" spc="-1" strike="noStrike">
               <a:solidFill>
                 <a:srgbClr val="000000"/>
               </a:solidFill>
@@ -858,7 +862,7 @@
             <a:normAutofit/>
           </a:bodyPr>
           <a:p>
-            <a:endParaRPr b="0" lang="pt-BR" sz="2800" spc="-1" strike="noStrike">
+            <a:endParaRPr b="0" lang="pt-BR" sz="3200" spc="-1" strike="noStrike">
               <a:solidFill>
                 <a:srgbClr val="000000"/>
               </a:solidFill>
@@ -896,7 +900,7 @@
             <a:normAutofit/>
           </a:bodyPr>
           <a:p>
-            <a:endParaRPr b="0" lang="pt-BR" sz="2800" spc="-1" strike="noStrike">
+            <a:endParaRPr b="0" lang="pt-BR" sz="3200" spc="-1" strike="noStrike">
               <a:solidFill>
                 <a:srgbClr val="000000"/>
               </a:solidFill>
@@ -954,7 +958,8 @@
         <p:txBody>
           <a:bodyPr lIns="0" rIns="0" tIns="0" bIns="0" anchor="ctr"/>
           <a:p>
-            <a:endParaRPr b="0" lang="pt-BR" sz="1800" spc="-1" strike="noStrike">
+            <a:pPr algn="ctr"/>
+            <a:endParaRPr b="0" lang="pt-BR" sz="4400" spc="-1" strike="noStrike">
               <a:solidFill>
                 <a:srgbClr val="000000"/>
               </a:solidFill>
@@ -1071,7 +1076,8 @@
         <p:txBody>
           <a:bodyPr lIns="0" rIns="0" tIns="0" bIns="0" anchor="ctr"/>
           <a:p>
-            <a:endParaRPr b="0" lang="pt-BR" sz="1800" spc="-1" strike="noStrike">
+            <a:pPr algn="ctr"/>
+            <a:endParaRPr b="0" lang="pt-BR" sz="4400" spc="-1" strike="noStrike">
               <a:solidFill>
                 <a:srgbClr val="000000"/>
               </a:solidFill>
@@ -1109,7 +1115,7 @@
             <a:normAutofit/>
           </a:bodyPr>
           <a:p>
-            <a:endParaRPr b="0" lang="pt-BR" sz="2800" spc="-1" strike="noStrike">
+            <a:endParaRPr b="0" lang="pt-BR" sz="3200" spc="-1" strike="noStrike">
               <a:solidFill>
                 <a:srgbClr val="000000"/>
               </a:solidFill>
@@ -1147,7 +1153,7 @@
             <a:normAutofit/>
           </a:bodyPr>
           <a:p>
-            <a:endParaRPr b="0" lang="pt-BR" sz="2800" spc="-1" strike="noStrike">
+            <a:endParaRPr b="0" lang="pt-BR" sz="3200" spc="-1" strike="noStrike">
               <a:solidFill>
                 <a:srgbClr val="000000"/>
               </a:solidFill>
@@ -1185,7 +1191,7 @@
             <a:normAutofit/>
           </a:bodyPr>
           <a:p>
-            <a:endParaRPr b="0" lang="pt-BR" sz="2800" spc="-1" strike="noStrike">
+            <a:endParaRPr b="0" lang="pt-BR" sz="3200" spc="-1" strike="noStrike">
               <a:solidFill>
                 <a:srgbClr val="000000"/>
               </a:solidFill>
@@ -1243,7 +1249,8 @@
         <p:txBody>
           <a:bodyPr lIns="0" rIns="0" tIns="0" bIns="0" anchor="ctr"/>
           <a:p>
-            <a:endParaRPr b="0" lang="pt-BR" sz="1800" spc="-1" strike="noStrike">
+            <a:pPr algn="ctr"/>
+            <a:endParaRPr b="0" lang="pt-BR" sz="4400" spc="-1" strike="noStrike">
               <a:solidFill>
                 <a:srgbClr val="000000"/>
               </a:solidFill>
@@ -1338,7 +1345,8 @@
         <p:txBody>
           <a:bodyPr lIns="0" rIns="0" tIns="0" bIns="0" anchor="ctr"/>
           <a:p>
-            <a:endParaRPr b="0" lang="pt-BR" sz="1800" spc="-1" strike="noStrike">
+            <a:pPr algn="ctr"/>
+            <a:endParaRPr b="0" lang="pt-BR" sz="4400" spc="-1" strike="noStrike">
               <a:solidFill>
                 <a:srgbClr val="000000"/>
               </a:solidFill>
@@ -1376,7 +1384,7 @@
             <a:normAutofit/>
           </a:bodyPr>
           <a:p>
-            <a:endParaRPr b="0" lang="pt-BR" sz="2800" spc="-1" strike="noStrike">
+            <a:endParaRPr b="0" lang="pt-BR" sz="3200" spc="-1" strike="noStrike">
               <a:solidFill>
                 <a:srgbClr val="000000"/>
               </a:solidFill>
@@ -1414,7 +1422,7 @@
             <a:normAutofit/>
           </a:bodyPr>
           <a:p>
-            <a:endParaRPr b="0" lang="pt-BR" sz="2800" spc="-1" strike="noStrike">
+            <a:endParaRPr b="0" lang="pt-BR" sz="3200" spc="-1" strike="noStrike">
               <a:solidFill>
                 <a:srgbClr val="000000"/>
               </a:solidFill>
@@ -1452,7 +1460,7 @@
             <a:normAutofit/>
           </a:bodyPr>
           <a:p>
-            <a:endParaRPr b="0" lang="pt-BR" sz="2800" spc="-1" strike="noStrike">
+            <a:endParaRPr b="0" lang="pt-BR" sz="3200" spc="-1" strike="noStrike">
               <a:solidFill>
                 <a:srgbClr val="000000"/>
               </a:solidFill>
@@ -1510,7 +1518,8 @@
         <p:txBody>
           <a:bodyPr lIns="0" rIns="0" tIns="0" bIns="0" anchor="ctr"/>
           <a:p>
-            <a:endParaRPr b="0" lang="pt-BR" sz="1800" spc="-1" strike="noStrike">
+            <a:pPr algn="ctr"/>
+            <a:endParaRPr b="0" lang="pt-BR" sz="4400" spc="-1" strike="noStrike">
               <a:solidFill>
                 <a:srgbClr val="000000"/>
               </a:solidFill>
@@ -1548,7 +1557,7 @@
             <a:normAutofit/>
           </a:bodyPr>
           <a:p>
-            <a:endParaRPr b="0" lang="pt-BR" sz="2800" spc="-1" strike="noStrike">
+            <a:endParaRPr b="0" lang="pt-BR" sz="3200" spc="-1" strike="noStrike">
               <a:solidFill>
                 <a:srgbClr val="000000"/>
               </a:solidFill>
@@ -1586,7 +1595,7 @@
             <a:normAutofit/>
           </a:bodyPr>
           <a:p>
-            <a:endParaRPr b="0" lang="pt-BR" sz="2800" spc="-1" strike="noStrike">
+            <a:endParaRPr b="0" lang="pt-BR" sz="3200" spc="-1" strike="noStrike">
               <a:solidFill>
                 <a:srgbClr val="000000"/>
               </a:solidFill>
@@ -1624,7 +1633,7 @@
             <a:normAutofit/>
           </a:bodyPr>
           <a:p>
-            <a:endParaRPr b="0" lang="pt-BR" sz="2800" spc="-1" strike="noStrike">
+            <a:endParaRPr b="0" lang="pt-BR" sz="3200" spc="-1" strike="noStrike">
               <a:solidFill>
                 <a:srgbClr val="000000"/>
               </a:solidFill>
@@ -1682,7 +1691,8 @@
         <p:txBody>
           <a:bodyPr lIns="0" rIns="0" tIns="0" bIns="0" anchor="ctr"/>
           <a:p>
-            <a:endParaRPr b="0" lang="pt-BR" sz="1800" spc="-1" strike="noStrike">
+            <a:pPr algn="ctr"/>
+            <a:endParaRPr b="0" lang="pt-BR" sz="4400" spc="-1" strike="noStrike">
               <a:solidFill>
                 <a:srgbClr val="000000"/>
               </a:solidFill>
@@ -1720,7 +1730,7 @@
             <a:normAutofit/>
           </a:bodyPr>
           <a:p>
-            <a:endParaRPr b="0" lang="pt-BR" sz="2800" spc="-1" strike="noStrike">
+            <a:endParaRPr b="0" lang="pt-BR" sz="3200" spc="-1" strike="noStrike">
               <a:solidFill>
                 <a:srgbClr val="000000"/>
               </a:solidFill>
@@ -1758,7 +1768,7 @@
             <a:normAutofit/>
           </a:bodyPr>
           <a:p>
-            <a:endParaRPr b="0" lang="pt-BR" sz="2800" spc="-1" strike="noStrike">
+            <a:endParaRPr b="0" lang="pt-BR" sz="3200" spc="-1" strike="noStrike">
               <a:solidFill>
                 <a:srgbClr val="000000"/>
               </a:solidFill>
@@ -1816,7 +1826,8 @@
         <p:txBody>
           <a:bodyPr lIns="0" rIns="0" tIns="0" bIns="0" anchor="ctr"/>
           <a:p>
-            <a:endParaRPr b="0" lang="pt-BR" sz="1800" spc="-1" strike="noStrike">
+            <a:pPr algn="ctr"/>
+            <a:endParaRPr b="0" lang="pt-BR" sz="4400" spc="-1" strike="noStrike">
               <a:solidFill>
                 <a:srgbClr val="000000"/>
               </a:solidFill>
@@ -1854,7 +1865,7 @@
             <a:normAutofit/>
           </a:bodyPr>
           <a:p>
-            <a:endParaRPr b="0" lang="pt-BR" sz="2800" spc="-1" strike="noStrike">
+            <a:endParaRPr b="0" lang="pt-BR" sz="3200" spc="-1" strike="noStrike">
               <a:solidFill>
                 <a:srgbClr val="000000"/>
               </a:solidFill>
@@ -1892,7 +1903,7 @@
             <a:normAutofit/>
           </a:bodyPr>
           <a:p>
-            <a:endParaRPr b="0" lang="pt-BR" sz="2800" spc="-1" strike="noStrike">
+            <a:endParaRPr b="0" lang="pt-BR" sz="3200" spc="-1" strike="noStrike">
               <a:solidFill>
                 <a:srgbClr val="000000"/>
               </a:solidFill>
@@ -1930,7 +1941,7 @@
             <a:normAutofit/>
           </a:bodyPr>
           <a:p>
-            <a:endParaRPr b="0" lang="pt-BR" sz="2800" spc="-1" strike="noStrike">
+            <a:endParaRPr b="0" lang="pt-BR" sz="3200" spc="-1" strike="noStrike">
               <a:solidFill>
                 <a:srgbClr val="000000"/>
               </a:solidFill>
@@ -1968,7 +1979,7 @@
             <a:normAutofit/>
           </a:bodyPr>
           <a:p>
-            <a:endParaRPr b="0" lang="pt-BR" sz="2800" spc="-1" strike="noStrike">
+            <a:endParaRPr b="0" lang="pt-BR" sz="3200" spc="-1" strike="noStrike">
               <a:solidFill>
                 <a:srgbClr val="000000"/>
               </a:solidFill>
@@ -2026,7 +2037,8 @@
         <p:txBody>
           <a:bodyPr lIns="0" rIns="0" tIns="0" bIns="0" anchor="ctr"/>
           <a:p>
-            <a:endParaRPr b="0" lang="pt-BR" sz="1800" spc="-1" strike="noStrike">
+            <a:pPr algn="ctr"/>
+            <a:endParaRPr b="0" lang="pt-BR" sz="4400" spc="-1" strike="noStrike">
               <a:solidFill>
                 <a:srgbClr val="000000"/>
               </a:solidFill>
@@ -2064,7 +2076,7 @@
             <a:normAutofit/>
           </a:bodyPr>
           <a:p>
-            <a:endParaRPr b="0" lang="pt-BR" sz="2800" spc="-1" strike="noStrike">
+            <a:endParaRPr b="0" lang="pt-BR" sz="3200" spc="-1" strike="noStrike">
               <a:solidFill>
                 <a:srgbClr val="000000"/>
               </a:solidFill>
@@ -2102,7 +2114,7 @@
             <a:normAutofit/>
           </a:bodyPr>
           <a:p>
-            <a:endParaRPr b="0" lang="pt-BR" sz="2800" spc="-1" strike="noStrike">
+            <a:endParaRPr b="0" lang="pt-BR" sz="3200" spc="-1" strike="noStrike">
               <a:solidFill>
                 <a:srgbClr val="000000"/>
               </a:solidFill>
@@ -2206,7 +2218,8 @@
         <p:txBody>
           <a:bodyPr lIns="0" rIns="0" tIns="0" bIns="0" anchor="ctr"/>
           <a:p>
-            <a:endParaRPr b="0" lang="pt-BR" sz="1800" spc="-1" strike="noStrike">
+            <a:pPr algn="ctr"/>
+            <a:endParaRPr b="0" lang="pt-BR" sz="4400" spc="-1" strike="noStrike">
               <a:solidFill>
                 <a:srgbClr val="000000"/>
               </a:solidFill>
@@ -2244,7 +2257,7 @@
             <a:normAutofit/>
           </a:bodyPr>
           <a:p>
-            <a:endParaRPr b="0" lang="pt-BR" sz="2800" spc="-1" strike="noStrike">
+            <a:endParaRPr b="0" lang="pt-BR" sz="3200" spc="-1" strike="noStrike">
               <a:solidFill>
                 <a:srgbClr val="000000"/>
               </a:solidFill>
@@ -2302,7 +2315,8 @@
         <p:txBody>
           <a:bodyPr lIns="0" rIns="0" tIns="0" bIns="0" anchor="ctr"/>
           <a:p>
-            <a:endParaRPr b="0" lang="pt-BR" sz="1800" spc="-1" strike="noStrike">
+            <a:pPr algn="ctr"/>
+            <a:endParaRPr b="0" lang="pt-BR" sz="4400" spc="-1" strike="noStrike">
               <a:solidFill>
                 <a:srgbClr val="000000"/>
               </a:solidFill>
@@ -2340,7 +2354,7 @@
             <a:normAutofit/>
           </a:bodyPr>
           <a:p>
-            <a:endParaRPr b="0" lang="pt-BR" sz="2800" spc="-1" strike="noStrike">
+            <a:endParaRPr b="0" lang="pt-BR" sz="3200" spc="-1" strike="noStrike">
               <a:solidFill>
                 <a:srgbClr val="000000"/>
               </a:solidFill>
@@ -2378,7 +2392,7 @@
             <a:normAutofit/>
           </a:bodyPr>
           <a:p>
-            <a:endParaRPr b="0" lang="pt-BR" sz="2800" spc="-1" strike="noStrike">
+            <a:endParaRPr b="0" lang="pt-BR" sz="3200" spc="-1" strike="noStrike">
               <a:solidFill>
                 <a:srgbClr val="000000"/>
               </a:solidFill>
@@ -2436,7 +2450,8 @@
         <p:txBody>
           <a:bodyPr lIns="0" rIns="0" tIns="0" bIns="0" anchor="ctr"/>
           <a:p>
-            <a:endParaRPr b="0" lang="pt-BR" sz="1800" spc="-1" strike="noStrike">
+            <a:pPr algn="ctr"/>
+            <a:endParaRPr b="0" lang="pt-BR" sz="4400" spc="-1" strike="noStrike">
               <a:solidFill>
                 <a:srgbClr val="000000"/>
               </a:solidFill>
@@ -2553,7 +2568,8 @@
         <p:txBody>
           <a:bodyPr lIns="0" rIns="0" tIns="0" bIns="0" anchor="ctr"/>
           <a:p>
-            <a:endParaRPr b="0" lang="pt-BR" sz="1800" spc="-1" strike="noStrike">
+            <a:pPr algn="ctr"/>
+            <a:endParaRPr b="0" lang="pt-BR" sz="4400" spc="-1" strike="noStrike">
               <a:solidFill>
                 <a:srgbClr val="000000"/>
               </a:solidFill>
@@ -2591,7 +2607,7 @@
             <a:normAutofit/>
           </a:bodyPr>
           <a:p>
-            <a:endParaRPr b="0" lang="pt-BR" sz="2800" spc="-1" strike="noStrike">
+            <a:endParaRPr b="0" lang="pt-BR" sz="3200" spc="-1" strike="noStrike">
               <a:solidFill>
                 <a:srgbClr val="000000"/>
               </a:solidFill>
@@ -2629,7 +2645,7 @@
             <a:normAutofit/>
           </a:bodyPr>
           <a:p>
-            <a:endParaRPr b="0" lang="pt-BR" sz="2800" spc="-1" strike="noStrike">
+            <a:endParaRPr b="0" lang="pt-BR" sz="3200" spc="-1" strike="noStrike">
               <a:solidFill>
                 <a:srgbClr val="000000"/>
               </a:solidFill>
@@ -2667,7 +2683,7 @@
             <a:normAutofit/>
           </a:bodyPr>
           <a:p>
-            <a:endParaRPr b="0" lang="pt-BR" sz="2800" spc="-1" strike="noStrike">
+            <a:endParaRPr b="0" lang="pt-BR" sz="3200" spc="-1" strike="noStrike">
               <a:solidFill>
                 <a:srgbClr val="000000"/>
               </a:solidFill>
@@ -2725,7 +2741,8 @@
         <p:txBody>
           <a:bodyPr lIns="0" rIns="0" tIns="0" bIns="0" anchor="ctr"/>
           <a:p>
-            <a:endParaRPr b="0" lang="pt-BR" sz="1800" spc="-1" strike="noStrike">
+            <a:pPr algn="ctr"/>
+            <a:endParaRPr b="0" lang="pt-BR" sz="4400" spc="-1" strike="noStrike">
               <a:solidFill>
                 <a:srgbClr val="000000"/>
               </a:solidFill>
@@ -2763,7 +2780,7 @@
             <a:normAutofit/>
           </a:bodyPr>
           <a:p>
-            <a:endParaRPr b="0" lang="pt-BR" sz="2800" spc="-1" strike="noStrike">
+            <a:endParaRPr b="0" lang="pt-BR" sz="3200" spc="-1" strike="noStrike">
               <a:solidFill>
                 <a:srgbClr val="000000"/>
               </a:solidFill>
@@ -2801,7 +2818,7 @@
             <a:normAutofit/>
           </a:bodyPr>
           <a:p>
-            <a:endParaRPr b="0" lang="pt-BR" sz="2800" spc="-1" strike="noStrike">
+            <a:endParaRPr b="0" lang="pt-BR" sz="3200" spc="-1" strike="noStrike">
               <a:solidFill>
                 <a:srgbClr val="000000"/>
               </a:solidFill>
@@ -2839,7 +2856,7 @@
             <a:normAutofit/>
           </a:bodyPr>
           <a:p>
-            <a:endParaRPr b="0" lang="pt-BR" sz="2800" spc="-1" strike="noStrike">
+            <a:endParaRPr b="0" lang="pt-BR" sz="3200" spc="-1" strike="noStrike">
               <a:solidFill>
                 <a:srgbClr val="000000"/>
               </a:solidFill>
@@ -2897,7 +2914,8 @@
         <p:txBody>
           <a:bodyPr lIns="0" rIns="0" tIns="0" bIns="0" anchor="ctr"/>
           <a:p>
-            <a:endParaRPr b="0" lang="pt-BR" sz="1800" spc="-1" strike="noStrike">
+            <a:pPr algn="ctr"/>
+            <a:endParaRPr b="0" lang="pt-BR" sz="4400" spc="-1" strike="noStrike">
               <a:solidFill>
                 <a:srgbClr val="000000"/>
               </a:solidFill>
@@ -2935,7 +2953,7 @@
             <a:normAutofit/>
           </a:bodyPr>
           <a:p>
-            <a:endParaRPr b="0" lang="pt-BR" sz="2800" spc="-1" strike="noStrike">
+            <a:endParaRPr b="0" lang="pt-BR" sz="3200" spc="-1" strike="noStrike">
               <a:solidFill>
                 <a:srgbClr val="000000"/>
               </a:solidFill>
@@ -2973,7 +2991,7 @@
             <a:normAutofit/>
           </a:bodyPr>
           <a:p>
-            <a:endParaRPr b="0" lang="pt-BR" sz="2800" spc="-1" strike="noStrike">
+            <a:endParaRPr b="0" lang="pt-BR" sz="3200" spc="-1" strike="noStrike">
               <a:solidFill>
                 <a:srgbClr val="000000"/>
               </a:solidFill>
@@ -3011,7 +3029,7 @@
             <a:normAutofit/>
           </a:bodyPr>
           <a:p>
-            <a:endParaRPr b="0" lang="pt-BR" sz="2800" spc="-1" strike="noStrike">
+            <a:endParaRPr b="0" lang="pt-BR" sz="3200" spc="-1" strike="noStrike">
               <a:solidFill>
                 <a:srgbClr val="000000"/>
               </a:solidFill>
@@ -3076,8 +3094,9 @@
         <p:txBody>
           <a:bodyPr lIns="0" rIns="0" tIns="0" bIns="0" anchor="ctr"/>
           <a:p>
+            <a:pPr algn="ctr"/>
             <a:r>
-              <a:rPr b="0" lang="pt-BR" sz="1800" spc="-1" strike="noStrike">
+              <a:rPr b="0" lang="pt-BR" sz="4400" spc="-1" strike="noStrike">
                 <a:solidFill>
                   <a:srgbClr val="000000"/>
                 </a:solidFill>
@@ -3090,7 +3109,7 @@
               </a:rPr>
               <a:t>Clique para editar o formato do texto do título</a:t>
             </a:r>
-            <a:endParaRPr b="0" lang="pt-BR" sz="1800" spc="-1" strike="noStrike">
+            <a:endParaRPr b="0" lang="pt-BR" sz="4400" spc="-1" strike="noStrike">
               <a:solidFill>
                 <a:srgbClr val="000000"/>
               </a:solidFill>
@@ -3140,7 +3159,7 @@
               <a:buChar char=""/>
             </a:pPr>
             <a:r>
-              <a:rPr b="0" lang="pt-BR" sz="2800" spc="-1" strike="noStrike">
+              <a:rPr b="0" lang="pt-BR" sz="3200" spc="-1" strike="noStrike">
                 <a:solidFill>
                   <a:srgbClr val="000000"/>
                 </a:solidFill>
@@ -3153,7 +3172,7 @@
               </a:rPr>
               <a:t>Clique para editar o formato do texto da estrutura de tópicos</a:t>
             </a:r>
-            <a:endParaRPr b="0" lang="pt-BR" sz="2800" spc="-1" strike="noStrike">
+            <a:endParaRPr b="0" lang="pt-BR" sz="3200" spc="-1" strike="noStrike">
               <a:solidFill>
                 <a:srgbClr val="000000"/>
               </a:solidFill>
@@ -3178,7 +3197,7 @@
               <a:buChar char=""/>
             </a:pPr>
             <a:r>
-              <a:rPr b="0" lang="pt-BR" sz="2000" spc="-1" strike="noStrike">
+              <a:rPr b="0" lang="pt-BR" sz="2800" spc="-1" strike="noStrike">
                 <a:solidFill>
                   <a:srgbClr val="000000"/>
                 </a:solidFill>
@@ -3191,7 +3210,7 @@
               </a:rPr>
               <a:t>2.º nível da estrutura de tópicos</a:t>
             </a:r>
-            <a:endParaRPr b="0" lang="pt-BR" sz="2000" spc="-1" strike="noStrike">
+            <a:endParaRPr b="0" lang="pt-BR" sz="2800" spc="-1" strike="noStrike">
               <a:solidFill>
                 <a:srgbClr val="000000"/>
               </a:solidFill>
@@ -3216,7 +3235,7 @@
               <a:buChar char=""/>
             </a:pPr>
             <a:r>
-              <a:rPr b="0" lang="pt-BR" sz="1800" spc="-1" strike="noStrike">
+              <a:rPr b="0" lang="pt-BR" sz="2400" spc="-1" strike="noStrike">
                 <a:solidFill>
                   <a:srgbClr val="000000"/>
                 </a:solidFill>
@@ -3229,7 +3248,7 @@
               </a:rPr>
               <a:t>3.º nível da estrutura de tópicos</a:t>
             </a:r>
-            <a:endParaRPr b="0" lang="pt-BR" sz="1800" spc="-1" strike="noStrike">
+            <a:endParaRPr b="0" lang="pt-BR" sz="2400" spc="-1" strike="noStrike">
               <a:solidFill>
                 <a:srgbClr val="000000"/>
               </a:solidFill>
@@ -3254,7 +3273,7 @@
               <a:buChar char=""/>
             </a:pPr>
             <a:r>
-              <a:rPr b="0" lang="pt-BR" sz="1800" spc="-1" strike="noStrike">
+              <a:rPr b="0" lang="pt-BR" sz="2000" spc="-1" strike="noStrike">
                 <a:solidFill>
                   <a:srgbClr val="000000"/>
                 </a:solidFill>
@@ -3267,7 +3286,7 @@
               </a:rPr>
               <a:t>4.º nível da estrutura de tópicos</a:t>
             </a:r>
-            <a:endParaRPr b="0" lang="pt-BR" sz="1800" spc="-1" strike="noStrike">
+            <a:endParaRPr b="0" lang="pt-BR" sz="2000" spc="-1" strike="noStrike">
               <a:solidFill>
                 <a:srgbClr val="000000"/>
               </a:solidFill>
@@ -3462,7 +3481,7 @@
           <a:bodyPr lIns="0" rIns="0" tIns="0" bIns="0" anchor="ctr"/>
           <a:p>
             <a:r>
-              <a:rPr b="0" lang="pt-BR" sz="4400" spc="-1" strike="noStrike">
+              <a:rPr b="0" lang="pt-BR" sz="1800" spc="-1" strike="noStrike">
                 <a:solidFill>
                   <a:srgbClr val="000000"/>
                 </a:solidFill>
@@ -3475,7 +3494,7 @@
               </a:rPr>
               <a:t>Clique para editar o formato do texto do título</a:t>
             </a:r>
-            <a:endParaRPr b="0" lang="pt-BR" sz="4400" spc="-1" strike="noStrike">
+            <a:endParaRPr b="0" lang="pt-BR" sz="1800" spc="-1" strike="noStrike">
               <a:solidFill>
                 <a:srgbClr val="000000"/>
               </a:solidFill>
@@ -3502,7 +3521,7 @@
         <p:spPr>
           <a:xfrm>
             <a:off x="457200" y="1604520"/>
-            <a:ext cx="8229240" cy="3977280"/>
+            <a:ext cx="8228880" cy="3976920"/>
           </a:xfrm>
           <a:prstGeom prst="rect">
             <a:avLst/>
@@ -3525,7 +3544,7 @@
               <a:buChar char=""/>
             </a:pPr>
             <a:r>
-              <a:rPr b="0" lang="pt-BR" sz="2800" spc="-1" strike="noStrike">
+              <a:rPr b="0" lang="pt-BR" sz="1800" spc="-1" strike="noStrike">
                 <a:solidFill>
                   <a:srgbClr val="000000"/>
                 </a:solidFill>
@@ -3538,7 +3557,7 @@
               </a:rPr>
               <a:t>Clique para editar o formato do texto da estrutura de tópicos</a:t>
             </a:r>
-            <a:endParaRPr b="0" lang="pt-BR" sz="2800" spc="-1" strike="noStrike">
+            <a:endParaRPr b="0" lang="pt-BR" sz="1800" spc="-1" strike="noStrike">
               <a:solidFill>
                 <a:srgbClr val="000000"/>
               </a:solidFill>
@@ -3563,7 +3582,7 @@
               <a:buChar char=""/>
             </a:pPr>
             <a:r>
-              <a:rPr b="0" lang="pt-BR" sz="2000" spc="-1" strike="noStrike">
+              <a:rPr b="0" lang="pt-BR" sz="1800" spc="-1" strike="noStrike">
                 <a:solidFill>
                   <a:srgbClr val="000000"/>
                 </a:solidFill>
@@ -3576,7 +3595,7 @@
               </a:rPr>
               <a:t>2.º nível da estrutura de tópicos</a:t>
             </a:r>
-            <a:endParaRPr b="0" lang="pt-BR" sz="2000" spc="-1" strike="noStrike">
+            <a:endParaRPr b="0" lang="pt-BR" sz="1800" spc="-1" strike="noStrike">
               <a:solidFill>
                 <a:srgbClr val="000000"/>
               </a:solidFill>
@@ -3677,7 +3696,7 @@
               <a:buChar char=""/>
             </a:pPr>
             <a:r>
-              <a:rPr b="0" lang="pt-BR" sz="2000" spc="-1" strike="noStrike">
+              <a:rPr b="0" lang="pt-BR" sz="1800" spc="-1" strike="noStrike">
                 <a:solidFill>
                   <a:srgbClr val="000000"/>
                 </a:solidFill>
@@ -3690,7 +3709,7 @@
               </a:rPr>
               <a:t>5.º nível da estrutura de tópicos</a:t>
             </a:r>
-            <a:endParaRPr b="0" lang="pt-BR" sz="2000" spc="-1" strike="noStrike">
+            <a:endParaRPr b="0" lang="pt-BR" sz="1800" spc="-1" strike="noStrike">
               <a:solidFill>
                 <a:srgbClr val="000000"/>
               </a:solidFill>
@@ -3715,7 +3734,7 @@
               <a:buChar char=""/>
             </a:pPr>
             <a:r>
-              <a:rPr b="0" lang="pt-BR" sz="2000" spc="-1" strike="noStrike">
+              <a:rPr b="0" lang="pt-BR" sz="1800" spc="-1" strike="noStrike">
                 <a:solidFill>
                   <a:srgbClr val="000000"/>
                 </a:solidFill>
@@ -3728,7 +3747,7 @@
               </a:rPr>
               <a:t>6.º nível da estrutura de tópicos</a:t>
             </a:r>
-            <a:endParaRPr b="0" lang="pt-BR" sz="2000" spc="-1" strike="noStrike">
+            <a:endParaRPr b="0" lang="pt-BR" sz="1800" spc="-1" strike="noStrike">
               <a:solidFill>
                 <a:srgbClr val="000000"/>
               </a:solidFill>
@@ -3753,7 +3772,7 @@
               <a:buChar char=""/>
             </a:pPr>
             <a:r>
-              <a:rPr b="0" lang="pt-BR" sz="2000" spc="-1" strike="noStrike">
+              <a:rPr b="0" lang="pt-BR" sz="1800" spc="-1" strike="noStrike">
                 <a:solidFill>
                   <a:srgbClr val="000000"/>
                 </a:solidFill>
@@ -3766,7 +3785,7 @@
               </a:rPr>
               <a:t>7.º nível da estrutura de tópicos</a:t>
             </a:r>
-            <a:endParaRPr b="0" lang="pt-BR" sz="2000" spc="-1" strike="noStrike">
+            <a:endParaRPr b="0" lang="pt-BR" sz="1800" spc="-1" strike="noStrike">
               <a:solidFill>
                 <a:srgbClr val="000000"/>
               </a:solidFill>
@@ -3830,7 +3849,7 @@
         <p:spPr>
           <a:xfrm>
             <a:off x="2160" y="0"/>
-            <a:ext cx="9141480" cy="6916680"/>
+            <a:ext cx="9141120" cy="6916320"/>
           </a:xfrm>
           <a:prstGeom prst="rect">
             <a:avLst/>
@@ -3849,7 +3868,7 @@
         <p:spPr>
           <a:xfrm>
             <a:off x="755640" y="2925000"/>
-            <a:ext cx="6398280" cy="933480"/>
+            <a:ext cx="6397920" cy="933120"/>
           </a:xfrm>
           <a:prstGeom prst="rect">
             <a:avLst/>
@@ -3920,7 +3939,7 @@
         <p:spPr>
           <a:xfrm>
             <a:off x="6255360" y="15120"/>
-            <a:ext cx="2747160" cy="1420920"/>
+            <a:ext cx="2746800" cy="1420560"/>
           </a:xfrm>
           <a:prstGeom prst="rect">
             <a:avLst/>
@@ -3939,375 +3958,6 @@
           <p:childTnLst>
             <p:seq>
               <p:cTn id="2" nodeType="mainSeq"/>
-              <p:prevCondLst>
-                <p:cond delay="0" evt="onPrev">
-                  <p:tgtEl>
-                    <p:sldTgt/>
-                  </p:tgtEl>
-                </p:cond>
-              </p:prevCondLst>
-              <p:nextCondLst>
-                <p:cond delay="0" evt="onNext">
-                  <p:tgtEl>
-                    <p:sldTgt/>
-                  </p:tgtEl>
-                </p:cond>
-              </p:nextCondLst>
-            </p:seq>
-          </p:childTnLst>
-        </p:cTn>
-      </p:par>
-    </p:tnLst>
-  </p:timing>
-</p:sld>
-</file>
-
-<file path=ppt/slides/slide10.xml><?xml version="1.0" encoding="utf-8"?>
-<p:sld xmlns:a="http://schemas.openxmlformats.org/drawingml/2006/main" xmlns:p="http://schemas.openxmlformats.org/presentationml/2006/main" xmlns:r="http://schemas.openxmlformats.org/officeDocument/2006/relationships" xmlns:p14="http://schemas.microsoft.com/office/powerpoint/2010/main" xmlns:p15="http://schemas.microsoft.com/office/powerpoint/2012/main" xmlns:mc="http://schemas.openxmlformats.org/markup-compatibility/2006">
-  <p:cSld>
-    <p:spTree>
-      <p:nvGrpSpPr>
-        <p:cNvPr id="1" name=""/>
-        <p:cNvGrpSpPr/>
-        <p:nvPr/>
-      </p:nvGrpSpPr>
-      <p:grpSpPr>
-        <a:xfrm>
-          <a:off x="0" y="0"/>
-          <a:ext cx="0" cy="0"/>
-          <a:chOff x="0" y="0"/>
-          <a:chExt cx="0" cy="0"/>
-        </a:xfrm>
-      </p:grpSpPr>
-      <p:pic>
-        <p:nvPicPr>
-          <p:cNvPr id="99" name="Imagem 2" descr=""/>
-          <p:cNvPicPr/>
-          <p:nvPr/>
-        </p:nvPicPr>
-        <p:blipFill>
-          <a:blip r:embed="rId1"/>
-          <a:stretch/>
-        </p:blipFill>
-        <p:spPr>
-          <a:xfrm>
-            <a:off x="0" y="-48240"/>
-            <a:ext cx="9141480" cy="6939720"/>
-          </a:xfrm>
-          <a:prstGeom prst="rect">
-            <a:avLst/>
-          </a:prstGeom>
-          <a:ln>
-            <a:noFill/>
-          </a:ln>
-        </p:spPr>
-      </p:pic>
-      <p:pic>
-        <p:nvPicPr>
-          <p:cNvPr id="100" name="Picture 2" descr=""/>
-          <p:cNvPicPr/>
-          <p:nvPr/>
-        </p:nvPicPr>
-        <p:blipFill>
-          <a:blip r:embed="rId2"/>
-          <a:stretch/>
-        </p:blipFill>
-        <p:spPr>
-          <a:xfrm>
-            <a:off x="6255360" y="15120"/>
-            <a:ext cx="2747160" cy="1420920"/>
-          </a:xfrm>
-          <a:prstGeom prst="rect">
-            <a:avLst/>
-          </a:prstGeom>
-          <a:ln>
-            <a:noFill/>
-          </a:ln>
-        </p:spPr>
-      </p:pic>
-      <p:sp>
-        <p:nvSpPr>
-          <p:cNvPr id="101" name="CustomShape 1"/>
-          <p:cNvSpPr/>
-          <p:nvPr/>
-        </p:nvSpPr>
-        <p:spPr>
-          <a:xfrm>
-            <a:off x="652320" y="276480"/>
-            <a:ext cx="2445840" cy="1005480"/>
-          </a:xfrm>
-          <a:prstGeom prst="rect">
-            <a:avLst/>
-          </a:prstGeom>
-          <a:noFill/>
-          <a:ln>
-            <a:noFill/>
-          </a:ln>
-        </p:spPr>
-        <p:style>
-          <a:lnRef idx="0"/>
-          <a:fillRef idx="0"/>
-          <a:effectRef idx="0"/>
-          <a:fontRef idx="minor"/>
-        </p:style>
-      </p:sp>
-      <p:sp>
-        <p:nvSpPr>
-          <p:cNvPr id="102" name="CustomShape 2"/>
-          <p:cNvSpPr/>
-          <p:nvPr/>
-        </p:nvSpPr>
-        <p:spPr>
-          <a:xfrm rot="21589200">
-            <a:off x="657360" y="1607040"/>
-            <a:ext cx="4534920" cy="2782800"/>
-          </a:xfrm>
-          <a:prstGeom prst="rect">
-            <a:avLst/>
-          </a:prstGeom>
-          <a:noFill/>
-          <a:ln>
-            <a:noFill/>
-          </a:ln>
-        </p:spPr>
-        <p:style>
-          <a:lnRef idx="0"/>
-          <a:fillRef idx="0"/>
-          <a:effectRef idx="0"/>
-          <a:fontRef idx="minor"/>
-        </p:style>
-        <p:txBody>
-          <a:bodyPr lIns="90000" rIns="90000" tIns="45000" bIns="45000" anchor="ctr"/>
-          <a:p>
-            <a:pPr algn="just">
-              <a:lnSpc>
-                <a:spcPct val="100000"/>
-              </a:lnSpc>
-            </a:pPr>
-            <a:r>
-              <a:rPr b="0" lang="pt-BR" sz="2400" spc="-1" strike="noStrike">
-                <a:solidFill>
-                  <a:srgbClr val="ffffff"/>
-                </a:solidFill>
-                <a:uFill>
-                  <a:solidFill>
-                    <a:srgbClr val="ffffff"/>
-                  </a:solidFill>
-                </a:uFill>
-                <a:latin typeface="Arial"/>
-                <a:ea typeface="DejaVu Sans"/>
-              </a:rPr>
-              <a:t>Alisson da Silva Bueno </a:t>
-            </a:r>
-            <a:r>
-              <a:rPr b="0" lang="pt-BR" sz="2400" spc="-1" strike="noStrike">
-                <a:solidFill>
-                  <a:srgbClr val="ffffff"/>
-                </a:solidFill>
-                <a:uFill>
-                  <a:solidFill>
-                    <a:srgbClr val="ffffff"/>
-                  </a:solidFill>
-                </a:uFill>
-                <a:latin typeface="Arial"/>
-                <a:ea typeface="DejaVu Sans"/>
-              </a:rPr>
-              <a:t>	</a:t>
-            </a:r>
-            <a:endParaRPr b="0" lang="pt-BR" sz="2400" spc="-1" strike="noStrike">
-              <a:solidFill>
-                <a:srgbClr val="000000"/>
-              </a:solidFill>
-              <a:uFill>
-                <a:solidFill>
-                  <a:srgbClr val="ffffff"/>
-                </a:solidFill>
-              </a:uFill>
-              <a:latin typeface="Arial"/>
-            </a:endParaRPr>
-          </a:p>
-          <a:p>
-            <a:pPr algn="just">
-              <a:lnSpc>
-                <a:spcPct val="100000"/>
-              </a:lnSpc>
-            </a:pPr>
-            <a:r>
-              <a:rPr b="0" lang="pt-BR" sz="2400" spc="-1" strike="noStrike">
-                <a:solidFill>
-                  <a:srgbClr val="ffffff"/>
-                </a:solidFill>
-                <a:uFill>
-                  <a:solidFill>
-                    <a:srgbClr val="ffffff"/>
-                  </a:solidFill>
-                </a:uFill>
-                <a:latin typeface="Arial"/>
-                <a:ea typeface="DejaVu Sans"/>
-              </a:rPr>
-              <a:t>Anderson José de Souza Inácio</a:t>
-            </a:r>
-            <a:endParaRPr b="0" lang="pt-BR" sz="2400" spc="-1" strike="noStrike">
-              <a:solidFill>
-                <a:srgbClr val="000000"/>
-              </a:solidFill>
-              <a:uFill>
-                <a:solidFill>
-                  <a:srgbClr val="ffffff"/>
-                </a:solidFill>
-              </a:uFill>
-              <a:latin typeface="Arial"/>
-            </a:endParaRPr>
-          </a:p>
-          <a:p>
-            <a:pPr algn="just">
-              <a:lnSpc>
-                <a:spcPct val="100000"/>
-              </a:lnSpc>
-            </a:pPr>
-            <a:r>
-              <a:rPr b="0" lang="pt-BR" sz="2400" spc="-1" strike="noStrike">
-                <a:solidFill>
-                  <a:srgbClr val="ffffff"/>
-                </a:solidFill>
-                <a:uFill>
-                  <a:solidFill>
-                    <a:srgbClr val="ffffff"/>
-                  </a:solidFill>
-                </a:uFill>
-                <a:latin typeface="Arial"/>
-                <a:ea typeface="DejaVu Sans"/>
-              </a:rPr>
-              <a:t>Everton Luiz Sausen </a:t>
-            </a:r>
-            <a:r>
-              <a:rPr b="0" lang="pt-BR" sz="2400" spc="-1" strike="noStrike">
-                <a:solidFill>
-                  <a:srgbClr val="ffffff"/>
-                </a:solidFill>
-                <a:uFill>
-                  <a:solidFill>
-                    <a:srgbClr val="ffffff"/>
-                  </a:solidFill>
-                </a:uFill>
-                <a:latin typeface="Arial"/>
-                <a:ea typeface="DejaVu Sans"/>
-              </a:rPr>
-              <a:t>	</a:t>
-            </a:r>
-            <a:endParaRPr b="0" lang="pt-BR" sz="2400" spc="-1" strike="noStrike">
-              <a:solidFill>
-                <a:srgbClr val="000000"/>
-              </a:solidFill>
-              <a:uFill>
-                <a:solidFill>
-                  <a:srgbClr val="ffffff"/>
-                </a:solidFill>
-              </a:uFill>
-              <a:latin typeface="Arial"/>
-            </a:endParaRPr>
-          </a:p>
-          <a:p>
-            <a:pPr algn="just">
-              <a:lnSpc>
-                <a:spcPct val="100000"/>
-              </a:lnSpc>
-            </a:pPr>
-            <a:r>
-              <a:rPr b="0" lang="pt-BR" sz="2400" spc="-1" strike="noStrike">
-                <a:solidFill>
-                  <a:srgbClr val="ffffff"/>
-                </a:solidFill>
-                <a:uFill>
-                  <a:solidFill>
-                    <a:srgbClr val="ffffff"/>
-                  </a:solidFill>
-                </a:uFill>
-                <a:latin typeface="Arial"/>
-                <a:ea typeface="DejaVu Sans"/>
-              </a:rPr>
-              <a:t>Fernando André de Lima</a:t>
-            </a:r>
-            <a:endParaRPr b="0" lang="pt-BR" sz="2400" spc="-1" strike="noStrike">
-              <a:solidFill>
-                <a:srgbClr val="000000"/>
-              </a:solidFill>
-              <a:uFill>
-                <a:solidFill>
-                  <a:srgbClr val="ffffff"/>
-                </a:solidFill>
-              </a:uFill>
-              <a:latin typeface="Arial"/>
-            </a:endParaRPr>
-          </a:p>
-          <a:p>
-            <a:pPr algn="just">
-              <a:lnSpc>
-                <a:spcPct val="100000"/>
-              </a:lnSpc>
-            </a:pPr>
-            <a:r>
-              <a:rPr b="0" lang="pt-BR" sz="2400" spc="-1" strike="noStrike">
-                <a:solidFill>
-                  <a:srgbClr val="ffffff"/>
-                </a:solidFill>
-                <a:uFill>
-                  <a:solidFill>
-                    <a:srgbClr val="ffffff"/>
-                  </a:solidFill>
-                </a:uFill>
-                <a:latin typeface="Arial"/>
-                <a:ea typeface="DejaVu Sans"/>
-              </a:rPr>
-              <a:t>Joziel Alves de Souza </a:t>
-            </a:r>
-            <a:endParaRPr b="0" lang="pt-BR" sz="2400" spc="-1" strike="noStrike">
-              <a:solidFill>
-                <a:srgbClr val="000000"/>
-              </a:solidFill>
-              <a:uFill>
-                <a:solidFill>
-                  <a:srgbClr val="ffffff"/>
-                </a:solidFill>
-              </a:uFill>
-              <a:latin typeface="Arial"/>
-            </a:endParaRPr>
-          </a:p>
-          <a:p>
-            <a:pPr algn="just">
-              <a:lnSpc>
-                <a:spcPct val="100000"/>
-              </a:lnSpc>
-              <a:spcBef>
-                <a:spcPts val="567"/>
-              </a:spcBef>
-              <a:spcAft>
-                <a:spcPts val="567"/>
-              </a:spcAft>
-            </a:pPr>
-            <a:endParaRPr b="0" lang="pt-BR" sz="2400" spc="-1" strike="noStrike">
-              <a:solidFill>
-                <a:srgbClr val="000000"/>
-              </a:solidFill>
-              <a:uFill>
-                <a:solidFill>
-                  <a:srgbClr val="ffffff"/>
-                </a:solidFill>
-              </a:uFill>
-              <a:latin typeface="Arial"/>
-            </a:endParaRPr>
-          </a:p>
-        </p:txBody>
-      </p:sp>
-    </p:spTree>
-  </p:cSld>
-  <p:timing>
-    <p:tnLst>
-      <p:par>
-        <p:cTn id="27" dur="indefinite" restart="never" nodeType="tmRoot">
-          <p:childTnLst>
-            <p:seq>
-              <p:cTn id="28" nodeType="mainSeq"/>
               <p:prevCondLst>
                 <p:cond delay="0" evt="onPrev">
                   <p:tgtEl>
@@ -4357,7 +4007,7 @@
         <p:spPr>
           <a:xfrm>
             <a:off x="1066680" y="2387520"/>
-            <a:ext cx="7175160" cy="2476080"/>
+            <a:ext cx="7174800" cy="2475720"/>
           </a:xfrm>
           <a:prstGeom prst="rect">
             <a:avLst/>
@@ -4492,7 +4142,7 @@
         <p:spPr>
           <a:xfrm>
             <a:off x="6255360" y="12960"/>
-            <a:ext cx="2747160" cy="1420920"/>
+            <a:ext cx="2746800" cy="1420560"/>
           </a:xfrm>
           <a:prstGeom prst="rect">
             <a:avLst/>
@@ -4564,7 +4214,7 @@
         <p:spPr>
           <a:xfrm>
             <a:off x="1438200" y="2152800"/>
-            <a:ext cx="6267240" cy="4178160"/>
+            <a:ext cx="6266880" cy="4177800"/>
           </a:xfrm>
           <a:prstGeom prst="rect">
             <a:avLst/>
@@ -4583,7 +4233,7 @@
         <p:spPr>
           <a:xfrm>
             <a:off x="1346040" y="698400"/>
-            <a:ext cx="4647960" cy="1456200"/>
+            <a:ext cx="4647600" cy="1455840"/>
           </a:xfrm>
           <a:prstGeom prst="rect">
             <a:avLst/>
@@ -4748,7 +4398,7 @@
         <p:spPr>
           <a:xfrm>
             <a:off x="6255360" y="12960"/>
-            <a:ext cx="2747160" cy="1420920"/>
+            <a:ext cx="2746800" cy="1420560"/>
           </a:xfrm>
           <a:prstGeom prst="rect">
             <a:avLst/>
@@ -4820,7 +4470,7 @@
         <p:spPr>
           <a:xfrm>
             <a:off x="6255360" y="12960"/>
-            <a:ext cx="2747160" cy="1420920"/>
+            <a:ext cx="2746800" cy="1420560"/>
           </a:xfrm>
           <a:prstGeom prst="rect">
             <a:avLst/>
@@ -4839,7 +4489,7 @@
         <p:spPr>
           <a:xfrm>
             <a:off x="652320" y="276480"/>
-            <a:ext cx="2445840" cy="1005480"/>
+            <a:ext cx="2445480" cy="1005120"/>
           </a:xfrm>
           <a:prstGeom prst="rect">
             <a:avLst/>
@@ -4865,7 +4515,7 @@
         <p:spPr>
           <a:xfrm>
             <a:off x="1143000" y="3602160"/>
-            <a:ext cx="6855480" cy="1653120"/>
+            <a:ext cx="6855120" cy="1652760"/>
           </a:xfrm>
           <a:prstGeom prst="rect">
             <a:avLst/>
@@ -4891,7 +4541,7 @@
         <p:spPr>
           <a:xfrm>
             <a:off x="216000" y="720000"/>
-            <a:ext cx="8501760" cy="4058280"/>
+            <a:ext cx="8501400" cy="4057920"/>
           </a:xfrm>
           <a:prstGeom prst="rect">
             <a:avLst/>
@@ -4996,7 +4646,7 @@
         <p:spPr>
           <a:xfrm>
             <a:off x="460440" y="180360"/>
-            <a:ext cx="3578760" cy="6362640"/>
+            <a:ext cx="3578400" cy="6362280"/>
           </a:xfrm>
           <a:prstGeom prst="rect">
             <a:avLst/>
@@ -5015,7 +4665,7 @@
         <p:spPr>
           <a:xfrm>
             <a:off x="4634280" y="2623680"/>
-            <a:ext cx="4647960" cy="2154600"/>
+            <a:ext cx="4647600" cy="2154240"/>
           </a:xfrm>
           <a:prstGeom prst="rect">
             <a:avLst/>
@@ -5229,7 +4879,7 @@
         <p:spPr>
           <a:xfrm>
             <a:off x="6255360" y="12960"/>
-            <a:ext cx="2747160" cy="1420920"/>
+            <a:ext cx="2746800" cy="1420560"/>
           </a:xfrm>
           <a:prstGeom prst="rect">
             <a:avLst/>
@@ -5248,7 +4898,7 @@
         <p:spPr>
           <a:xfrm>
             <a:off x="652320" y="276480"/>
-            <a:ext cx="2445840" cy="1005480"/>
+            <a:ext cx="2445480" cy="1005120"/>
           </a:xfrm>
           <a:prstGeom prst="rect">
             <a:avLst/>
@@ -5274,7 +4924,7 @@
         <p:spPr>
           <a:xfrm>
             <a:off x="1143000" y="3602160"/>
-            <a:ext cx="6855480" cy="1653120"/>
+            <a:ext cx="6855120" cy="1652760"/>
           </a:xfrm>
           <a:prstGeom prst="rect">
             <a:avLst/>
@@ -5300,7 +4950,7 @@
         <p:spPr>
           <a:xfrm>
             <a:off x="216000" y="720000"/>
-            <a:ext cx="8501760" cy="4058280"/>
+            <a:ext cx="8501400" cy="4057920"/>
           </a:xfrm>
           <a:prstGeom prst="rect">
             <a:avLst/>
@@ -5405,7 +5055,7 @@
         <p:spPr>
           <a:xfrm>
             <a:off x="381240" y="3283200"/>
-            <a:ext cx="5316480" cy="2990160"/>
+            <a:ext cx="5316120" cy="2989800"/>
           </a:xfrm>
           <a:prstGeom prst="rect">
             <a:avLst/>
@@ -5424,7 +5074,7 @@
         <p:spPr>
           <a:xfrm>
             <a:off x="4784400" y="1748880"/>
-            <a:ext cx="4647960" cy="2154600"/>
+            <a:ext cx="4647600" cy="2154240"/>
           </a:xfrm>
           <a:prstGeom prst="rect">
             <a:avLst/>
@@ -5523,7 +5173,7 @@
         <p:spPr>
           <a:xfrm>
             <a:off x="409680" y="349560"/>
-            <a:ext cx="4266720" cy="2580120"/>
+            <a:ext cx="4266360" cy="2579760"/>
           </a:xfrm>
           <a:prstGeom prst="rect">
             <a:avLst/>
@@ -5582,6 +5232,117 @@
           <a:chExt cx="0" cy="0"/>
         </a:xfrm>
       </p:grpSpPr>
+      <p:pic>
+        <p:nvPicPr>
+          <p:cNvPr id="93" name="Picture 2" descr=""/>
+          <p:cNvPicPr/>
+          <p:nvPr/>
+        </p:nvPicPr>
+        <p:blipFill>
+          <a:blip r:embed="rId1"/>
+          <a:stretch/>
+        </p:blipFill>
+        <p:spPr>
+          <a:xfrm>
+            <a:off x="6255360" y="12960"/>
+            <a:ext cx="2746800" cy="1420560"/>
+          </a:xfrm>
+          <a:prstGeom prst="rect">
+            <a:avLst/>
+          </a:prstGeom>
+          <a:ln>
+            <a:noFill/>
+          </a:ln>
+        </p:spPr>
+      </p:pic>
+      <p:sp>
+        <p:nvSpPr>
+          <p:cNvPr id="94" name="TextShape 1"/>
+          <p:cNvSpPr txBox="1"/>
+          <p:nvPr/>
+        </p:nvSpPr>
+        <p:spPr>
+          <a:xfrm>
+            <a:off x="457200" y="273600"/>
+            <a:ext cx="8228880" cy="1144440"/>
+          </a:xfrm>
+          <a:prstGeom prst="rect">
+            <a:avLst/>
+          </a:prstGeom>
+          <a:noFill/>
+          <a:ln>
+            <a:noFill/>
+          </a:ln>
+        </p:spPr>
+        <p:txBody>
+          <a:bodyPr lIns="0" rIns="0" tIns="0" bIns="0" anchor="ctr"/>
+          <a:p>
+            <a:pPr algn="ctr"/>
+            <a:endParaRPr b="0" lang="pt-BR" sz="4400" spc="-1" strike="noStrike">
+              <a:solidFill>
+                <a:srgbClr val="000000"/>
+              </a:solidFill>
+              <a:uFill>
+                <a:solidFill>
+                  <a:srgbClr val="ffffff"/>
+                </a:solidFill>
+              </a:uFill>
+              <a:latin typeface="Arial"/>
+            </a:endParaRPr>
+          </a:p>
+        </p:txBody>
+      </p:sp>
+      <p:sp>
+        <p:nvSpPr>
+          <p:cNvPr id="95" name="TextShape 2"/>
+          <p:cNvSpPr txBox="1"/>
+          <p:nvPr/>
+        </p:nvSpPr>
+        <p:spPr>
+          <a:xfrm>
+            <a:off x="457200" y="1604520"/>
+            <a:ext cx="8228880" cy="3976920"/>
+          </a:xfrm>
+          <a:prstGeom prst="rect">
+            <a:avLst/>
+          </a:prstGeom>
+          <a:noFill/>
+          <a:ln>
+            <a:noFill/>
+          </a:ln>
+        </p:spPr>
+        <p:txBody>
+          <a:bodyPr lIns="0" rIns="0" tIns="0" bIns="0" anchor="ctr"/>
+          <a:p>
+            <a:pPr algn="ctr"/>
+            <a:r>
+              <a:rPr b="0" lang="pt-BR" sz="3200" spc="-1" strike="noStrike">
+                <a:solidFill>
+                  <a:srgbClr val="000000"/>
+                </a:solidFill>
+                <a:uFill>
+                  <a:solidFill>
+                    <a:srgbClr val="ffffff"/>
+                  </a:solidFill>
+                </a:uFill>
+                <a:latin typeface="Arial"/>
+              </a:rPr>
+              <a:t>Vídeo máquina funcionando</a:t>
+            </a:r>
+            <a:endParaRPr b="0" lang="pt-BR" sz="3200" spc="-1" strike="noStrike">
+              <a:solidFill>
+                <a:srgbClr val="000000"/>
+              </a:solidFill>
+              <a:uFill>
+                <a:solidFill>
+                  <a:srgbClr val="ffffff"/>
+                </a:solidFill>
+              </a:uFill>
+              <a:latin typeface="Arial"/>
+            </a:endParaRPr>
+          </a:p>
+        </p:txBody>
+      </p:sp>
     </p:spTree>
   </p:cSld>
   <p:timing>
@@ -5594,7 +5355,6 @@
                 <p:childTnLst>
                   <p:par>
                     <p:cTn id="13" fill="hold">
-                      <p:stCondLst/>
                       <p:childTnLst>
                         <p:par>
                           <p:cTn id="14" fill="hold">
@@ -5607,7 +5367,6 @@
                                   <p:stCondLst>
                                     <p:cond delay="0"/>
                                   </p:stCondLst>
-                                  <p:childTnLst/>
                                 </p:cTn>
                               </p:par>
                             </p:childTnLst>
@@ -5677,7 +5436,7 @@
       </p:grpSpPr>
       <p:pic>
         <p:nvPicPr>
-          <p:cNvPr id="93" name="Picture 2" descr=""/>
+          <p:cNvPr id="96" name="Picture 2" descr=""/>
           <p:cNvPicPr/>
           <p:nvPr/>
         </p:nvPicPr>
@@ -5688,7 +5447,7 @@
         <p:spPr>
           <a:xfrm>
             <a:off x="6255360" y="12960"/>
-            <a:ext cx="2747160" cy="1420920"/>
+            <a:ext cx="2746800" cy="1420560"/>
           </a:xfrm>
           <a:prstGeom prst="rect">
             <a:avLst/>
@@ -5698,6 +5457,94 @@
           </a:ln>
         </p:spPr>
       </p:pic>
+      <p:sp>
+        <p:nvSpPr>
+          <p:cNvPr id="97" name="TextShape 1"/>
+          <p:cNvSpPr txBox="1"/>
+          <p:nvPr/>
+        </p:nvSpPr>
+        <p:spPr>
+          <a:xfrm>
+            <a:off x="457200" y="273600"/>
+            <a:ext cx="8228880" cy="1144440"/>
+          </a:xfrm>
+          <a:prstGeom prst="rect">
+            <a:avLst/>
+          </a:prstGeom>
+          <a:noFill/>
+          <a:ln>
+            <a:noFill/>
+          </a:ln>
+        </p:spPr>
+        <p:txBody>
+          <a:bodyPr lIns="0" rIns="0" tIns="0" bIns="0" anchor="ctr"/>
+          <a:p>
+            <a:pPr algn="ctr"/>
+            <a:endParaRPr b="0" lang="pt-BR" sz="4400" spc="-1" strike="noStrike">
+              <a:solidFill>
+                <a:srgbClr val="000000"/>
+              </a:solidFill>
+              <a:uFill>
+                <a:solidFill>
+                  <a:srgbClr val="ffffff"/>
+                </a:solidFill>
+              </a:uFill>
+              <a:latin typeface="Arial"/>
+            </a:endParaRPr>
+          </a:p>
+        </p:txBody>
+      </p:sp>
+      <p:sp>
+        <p:nvSpPr>
+          <p:cNvPr id="98" name="TextShape 2"/>
+          <p:cNvSpPr txBox="1"/>
+          <p:nvPr/>
+        </p:nvSpPr>
+        <p:spPr>
+          <a:xfrm>
+            <a:off x="457200" y="1604520"/>
+            <a:ext cx="8228880" cy="3976920"/>
+          </a:xfrm>
+          <a:prstGeom prst="rect">
+            <a:avLst/>
+          </a:prstGeom>
+          <a:noFill/>
+          <a:ln>
+            <a:noFill/>
+          </a:ln>
+        </p:spPr>
+        <p:txBody>
+          <a:bodyPr lIns="0" rIns="0" tIns="0" bIns="0" anchor="ctr"/>
+          <a:p>
+            <a:pPr algn="ctr"/>
+            <a:r>
+              <a:rPr b="0" lang="pt-BR" sz="3200" spc="-1" strike="noStrike">
+                <a:solidFill>
+                  <a:srgbClr val="000000"/>
+                </a:solidFill>
+                <a:uFill>
+                  <a:solidFill>
+                    <a:srgbClr val="ffffff"/>
+                  </a:solidFill>
+                </a:uFill>
+                <a:latin typeface="Arial"/>
+              </a:rPr>
+              <a:t>Projeto</a:t>
+            </a:r>
+            <a:endParaRPr b="0" lang="pt-BR" sz="3200" spc="-1" strike="noStrike">
+              <a:solidFill>
+                <a:srgbClr val="000000"/>
+              </a:solidFill>
+              <a:uFill>
+                <a:solidFill>
+                  <a:srgbClr val="ffffff"/>
+                </a:solidFill>
+              </a:uFill>
+              <a:latin typeface="Arial"/>
+            </a:endParaRPr>
+          </a:p>
+        </p:txBody>
+      </p:sp>
     </p:spTree>
   </p:cSld>
   <p:timing>
@@ -5706,51 +5553,7 @@
         <p:cTn id="17" dur="indefinite" restart="never" nodeType="tmRoot">
           <p:childTnLst>
             <p:seq>
-              <p:cTn id="18" restart="whenNotActive" nodeType="interactiveSeq" fill="hold">
-                <p:childTnLst>
-                  <p:par>
-                    <p:cTn id="19" fill="hold">
-                      <p:stCondLst/>
-                      <p:childTnLst>
-                        <p:par>
-                          <p:cTn id="20" fill="hold">
-                            <p:stCondLst>
-                              <p:cond delay="0"/>
-                            </p:stCondLst>
-                            <p:childTnLst>
-                              <p:par>
-                                <p:cTn id="21" nodeType="clickEffect" fill="hold" presetClass="mediacall">
-                                  <p:stCondLst>
-                                    <p:cond delay="0"/>
-                                  </p:stCondLst>
-                                  <p:childTnLst/>
-                                </p:cTn>
-                              </p:par>
-                            </p:childTnLst>
-                          </p:cTn>
-                        </p:par>
-                      </p:childTnLst>
-                    </p:cTn>
-                  </p:par>
-                </p:childTnLst>
-              </p:cTn>
-              <p:prevCondLst>
-                <p:cond delay="0" evt="onPrev">
-                  <p:tgtEl>
-                    <p:sldTgt/>
-                  </p:tgtEl>
-                </p:cond>
-              </p:prevCondLst>
-              <p:nextCondLst>
-                <p:cond delay="0" evt="onNext">
-                  <p:tgtEl>
-                    <p:sldTgt/>
-                  </p:tgtEl>
-                </p:cond>
-              </p:nextCondLst>
-            </p:seq>
-            <p:seq>
-              <p:cTn id="22" nodeType="mainSeq"/>
+              <p:cTn id="18" nodeType="mainSeq"/>
               <p:prevCondLst>
                 <p:cond delay="0" evt="onPrev">
                   <p:tgtEl>
@@ -5793,7 +5596,7 @@
       </p:grpSpPr>
       <p:pic>
         <p:nvPicPr>
-          <p:cNvPr id="94" name="Picture 2" descr=""/>
+          <p:cNvPr id="99" name="Imagem 2" descr=""/>
           <p:cNvPicPr/>
           <p:nvPr/>
         </p:nvPicPr>
@@ -5803,8 +5606,8 @@
         </p:blipFill>
         <p:spPr>
           <a:xfrm>
-            <a:off x="6255360" y="12960"/>
-            <a:ext cx="2747160" cy="1420920"/>
+            <a:off x="0" y="-48240"/>
+            <a:ext cx="9141120" cy="6939360"/>
           </a:xfrm>
           <a:prstGeom prst="rect">
             <a:avLst/>
@@ -5814,65 +5617,39 @@
           </a:ln>
         </p:spPr>
       </p:pic>
-    </p:spTree>
-  </p:cSld>
-  <p:timing>
-    <p:tnLst>
-      <p:par>
-        <p:cTn id="23" dur="indefinite" restart="never" nodeType="tmRoot">
-          <p:childTnLst>
-            <p:seq>
-              <p:cTn id="24" nodeType="mainSeq"/>
-              <p:prevCondLst>
-                <p:cond delay="0" evt="onPrev">
-                  <p:tgtEl>
-                    <p:sldTgt/>
-                  </p:tgtEl>
-                </p:cond>
-              </p:prevCondLst>
-              <p:nextCondLst>
-                <p:cond delay="0" evt="onNext">
-                  <p:tgtEl>
-                    <p:sldTgt/>
-                  </p:tgtEl>
-                </p:cond>
-              </p:nextCondLst>
-            </p:seq>
-          </p:childTnLst>
-        </p:cTn>
-      </p:par>
-    </p:tnLst>
-  </p:timing>
-</p:sld>
-</file>
-
-<file path=ppt/slides/slide9.xml><?xml version="1.0" encoding="utf-8"?>
-<p:sld xmlns:a="http://schemas.openxmlformats.org/drawingml/2006/main" xmlns:p="http://schemas.openxmlformats.org/presentationml/2006/main" xmlns:r="http://schemas.openxmlformats.org/officeDocument/2006/relationships" xmlns:p14="http://schemas.microsoft.com/office/powerpoint/2010/main" xmlns:p15="http://schemas.microsoft.com/office/powerpoint/2012/main" xmlns:mc="http://schemas.openxmlformats.org/markup-compatibility/2006">
-  <p:cSld>
-    <p:spTree>
-      <p:nvGrpSpPr>
-        <p:cNvPr id="1" name=""/>
-        <p:cNvGrpSpPr/>
-        <p:nvPr/>
-      </p:nvGrpSpPr>
-      <p:grpSpPr>
-        <a:xfrm>
-          <a:off x="0" y="0"/>
-          <a:ext cx="0" cy="0"/>
-          <a:chOff x="0" y="0"/>
-          <a:chExt cx="0" cy="0"/>
-        </a:xfrm>
-      </p:grpSpPr>
-      <p:sp>
-        <p:nvSpPr>
-          <p:cNvPr id="95" name="CustomShape 1"/>
+      <p:pic>
+        <p:nvPicPr>
+          <p:cNvPr id="100" name="Picture 2" descr=""/>
+          <p:cNvPicPr/>
+          <p:nvPr/>
+        </p:nvPicPr>
+        <p:blipFill>
+          <a:blip r:embed="rId2"/>
+          <a:stretch/>
+        </p:blipFill>
+        <p:spPr>
+          <a:xfrm>
+            <a:off x="6255360" y="15120"/>
+            <a:ext cx="2746800" cy="1420560"/>
+          </a:xfrm>
+          <a:prstGeom prst="rect">
+            <a:avLst/>
+          </a:prstGeom>
+          <a:ln>
+            <a:noFill/>
+          </a:ln>
+        </p:spPr>
+      </p:pic>
+      <p:sp>
+        <p:nvSpPr>
+          <p:cNvPr id="101" name="CustomShape 1"/>
           <p:cNvSpPr/>
           <p:nvPr/>
         </p:nvSpPr>
         <p:spPr>
           <a:xfrm>
-            <a:off x="1210680" y="1566360"/>
-            <a:ext cx="6722280" cy="3572640"/>
+            <a:off x="652320" y="276480"/>
+            <a:ext cx="2445480" cy="1005120"/>
           </a:xfrm>
           <a:prstGeom prst="rect">
             <a:avLst/>
@@ -5889,39 +5666,16 @@
           <a:fontRef idx="minor"/>
         </p:style>
       </p:sp>
-      <p:pic>
-        <p:nvPicPr>
-          <p:cNvPr id="96" name="Picture 2" descr=""/>
-          <p:cNvPicPr/>
-          <p:nvPr/>
-        </p:nvPicPr>
-        <p:blipFill>
-          <a:blip r:embed="rId1"/>
-          <a:stretch/>
-        </p:blipFill>
-        <p:spPr>
-          <a:xfrm>
-            <a:off x="6255360" y="12960"/>
-            <a:ext cx="2747160" cy="1420920"/>
-          </a:xfrm>
-          <a:prstGeom prst="rect">
-            <a:avLst/>
-          </a:prstGeom>
-          <a:ln>
-            <a:noFill/>
-          </a:ln>
-        </p:spPr>
-      </p:pic>
-      <p:sp>
-        <p:nvSpPr>
-          <p:cNvPr id="97" name="CustomShape 2"/>
+      <p:sp>
+        <p:nvSpPr>
+          <p:cNvPr id="102" name="CustomShape 2"/>
           <p:cNvSpPr/>
           <p:nvPr/>
         </p:nvSpPr>
         <p:spPr>
-          <a:xfrm>
-            <a:off x="357120" y="0"/>
-            <a:ext cx="5636880" cy="2154600"/>
+          <a:xfrm rot="21589200">
+            <a:off x="657360" y="1607040"/>
+            <a:ext cx="4534560" cy="2782440"/>
           </a:xfrm>
           <a:prstGeom prst="rect">
             <a:avLst/>
@@ -5938,53 +5692,17 @@
           <a:fontRef idx="minor"/>
         </p:style>
         <p:txBody>
-          <a:bodyPr lIns="90000" rIns="90000" tIns="45000" bIns="45000"/>
-          <a:p>
-            <a:pPr algn="ctr">
-              <a:lnSpc>
-                <a:spcPct val="100000"/>
-              </a:lnSpc>
-            </a:pPr>
-            <a:endParaRPr b="0" lang="pt-BR" sz="1800" spc="-1" strike="noStrike">
-              <a:solidFill>
-                <a:srgbClr val="000000"/>
-              </a:solidFill>
-              <a:uFill>
-                <a:solidFill>
-                  <a:srgbClr val="ffffff"/>
-                </a:solidFill>
-              </a:uFill>
-              <a:latin typeface="Arial"/>
-            </a:endParaRPr>
-          </a:p>
-          <a:p>
-            <a:pPr>
-              <a:lnSpc>
-                <a:spcPct val="100000"/>
-              </a:lnSpc>
-            </a:pPr>
-            <a:endParaRPr b="0" lang="pt-BR" sz="1800" spc="-1" strike="noStrike">
-              <a:solidFill>
-                <a:srgbClr val="000000"/>
-              </a:solidFill>
-              <a:uFill>
-                <a:solidFill>
-                  <a:srgbClr val="ffffff"/>
-                </a:solidFill>
-              </a:uFill>
-              <a:latin typeface="Arial"/>
-            </a:endParaRPr>
-          </a:p>
-          <a:p>
-            <a:pPr>
+          <a:bodyPr lIns="90000" rIns="90000" tIns="45000" bIns="45000" anchor="ctr"/>
+          <a:p>
+            <a:pPr algn="just">
               <a:lnSpc>
                 <a:spcPct val="100000"/>
               </a:lnSpc>
             </a:pPr>
             <a:r>
-              <a:rPr b="1" lang="pt-BR" sz="2000" spc="-1" strike="noStrike">
-                <a:solidFill>
-                  <a:srgbClr val="000000"/>
+              <a:rPr b="0" lang="pt-BR" sz="2400" spc="-1" strike="noStrike">
+                <a:solidFill>
+                  <a:srgbClr val="ffffff"/>
                 </a:solidFill>
                 <a:uFill>
                   <a:solidFill>
@@ -5994,54 +5712,217 @@
                 <a:latin typeface="Arial"/>
                 <a:ea typeface="DejaVu Sans"/>
               </a:rPr>
-              <a:t>Cronograma</a:t>
+              <a:t>Alisson da Silva Bueno </a:t>
             </a:r>
-            <a:endParaRPr b="0" lang="pt-BR" sz="2000" spc="-1" strike="noStrike">
-              <a:solidFill>
-                <a:srgbClr val="000000"/>
-              </a:solidFill>
-              <a:uFill>
-                <a:solidFill>
-                  <a:srgbClr val="ffffff"/>
-                </a:solidFill>
-              </a:uFill>
-              <a:latin typeface="Arial"/>
-            </a:endParaRPr>
-          </a:p>
-        </p:txBody>
-      </p:sp>
-      <p:pic>
-        <p:nvPicPr>
-          <p:cNvPr id="98" name="Imagem 1" descr=""/>
-          <p:cNvPicPr/>
-          <p:nvPr/>
-        </p:nvPicPr>
-        <p:blipFill>
-          <a:blip r:embed="rId2"/>
-          <a:stretch/>
-        </p:blipFill>
-        <p:spPr>
-          <a:xfrm>
-            <a:off x="647640" y="1497960"/>
-            <a:ext cx="7848360" cy="5266800"/>
-          </a:xfrm>
-          <a:prstGeom prst="rect">
-            <a:avLst/>
-          </a:prstGeom>
-          <a:ln>
-            <a:noFill/>
-          </a:ln>
-        </p:spPr>
-      </p:pic>
+            <a:r>
+              <a:rPr b="0" lang="pt-BR" sz="2400" spc="-1" strike="noStrike">
+                <a:solidFill>
+                  <a:srgbClr val="ffffff"/>
+                </a:solidFill>
+                <a:uFill>
+                  <a:solidFill>
+                    <a:srgbClr val="ffffff"/>
+                  </a:solidFill>
+                </a:uFill>
+                <a:latin typeface="Arial"/>
+                <a:ea typeface="DejaVu Sans"/>
+              </a:rPr>
+              <a:t>	</a:t>
+            </a:r>
+            <a:endParaRPr b="0" lang="pt-BR" sz="2400" spc="-1" strike="noStrike">
+              <a:solidFill>
+                <a:srgbClr val="000000"/>
+              </a:solidFill>
+              <a:uFill>
+                <a:solidFill>
+                  <a:srgbClr val="ffffff"/>
+                </a:solidFill>
+              </a:uFill>
+              <a:latin typeface="Arial"/>
+            </a:endParaRPr>
+          </a:p>
+          <a:p>
+            <a:pPr algn="just">
+              <a:lnSpc>
+                <a:spcPct val="100000"/>
+              </a:lnSpc>
+            </a:pPr>
+            <a:r>
+              <a:rPr b="0" lang="pt-BR" sz="2400" spc="-1" strike="noStrike">
+                <a:solidFill>
+                  <a:srgbClr val="ffffff"/>
+                </a:solidFill>
+                <a:uFill>
+                  <a:solidFill>
+                    <a:srgbClr val="ffffff"/>
+                  </a:solidFill>
+                </a:uFill>
+                <a:latin typeface="Arial"/>
+                <a:ea typeface="DejaVu Sans"/>
+              </a:rPr>
+              <a:t>Anderson José de Souza Inácio</a:t>
+            </a:r>
+            <a:endParaRPr b="0" lang="pt-BR" sz="2400" spc="-1" strike="noStrike">
+              <a:solidFill>
+                <a:srgbClr val="000000"/>
+              </a:solidFill>
+              <a:uFill>
+                <a:solidFill>
+                  <a:srgbClr val="ffffff"/>
+                </a:solidFill>
+              </a:uFill>
+              <a:latin typeface="Arial"/>
+            </a:endParaRPr>
+          </a:p>
+          <a:p>
+            <a:pPr algn="just">
+              <a:lnSpc>
+                <a:spcPct val="100000"/>
+              </a:lnSpc>
+            </a:pPr>
+            <a:r>
+              <a:rPr b="0" lang="pt-BR" sz="2400" spc="-1" strike="noStrike">
+                <a:solidFill>
+                  <a:srgbClr val="ffffff"/>
+                </a:solidFill>
+                <a:uFill>
+                  <a:solidFill>
+                    <a:srgbClr val="ffffff"/>
+                  </a:solidFill>
+                </a:uFill>
+                <a:latin typeface="Arial"/>
+                <a:ea typeface="DejaVu Sans"/>
+              </a:rPr>
+              <a:t>Everton Luiz Sausen </a:t>
+            </a:r>
+            <a:r>
+              <a:rPr b="0" lang="pt-BR" sz="2400" spc="-1" strike="noStrike">
+                <a:solidFill>
+                  <a:srgbClr val="ffffff"/>
+                </a:solidFill>
+                <a:uFill>
+                  <a:solidFill>
+                    <a:srgbClr val="ffffff"/>
+                  </a:solidFill>
+                </a:uFill>
+                <a:latin typeface="Arial"/>
+                <a:ea typeface="DejaVu Sans"/>
+              </a:rPr>
+              <a:t>	</a:t>
+            </a:r>
+            <a:endParaRPr b="0" lang="pt-BR" sz="2400" spc="-1" strike="noStrike">
+              <a:solidFill>
+                <a:srgbClr val="000000"/>
+              </a:solidFill>
+              <a:uFill>
+                <a:solidFill>
+                  <a:srgbClr val="ffffff"/>
+                </a:solidFill>
+              </a:uFill>
+              <a:latin typeface="Arial"/>
+            </a:endParaRPr>
+          </a:p>
+          <a:p>
+            <a:pPr algn="just">
+              <a:lnSpc>
+                <a:spcPct val="100000"/>
+              </a:lnSpc>
+            </a:pPr>
+            <a:r>
+              <a:rPr b="0" lang="pt-BR" sz="2400" spc="-1" strike="noStrike">
+                <a:solidFill>
+                  <a:srgbClr val="ffffff"/>
+                </a:solidFill>
+                <a:uFill>
+                  <a:solidFill>
+                    <a:srgbClr val="ffffff"/>
+                  </a:solidFill>
+                </a:uFill>
+                <a:latin typeface="Arial"/>
+                <a:ea typeface="DejaVu Sans"/>
+              </a:rPr>
+              <a:t>Fernando André de Lima</a:t>
+            </a:r>
+            <a:endParaRPr b="0" lang="pt-BR" sz="2400" spc="-1" strike="noStrike">
+              <a:solidFill>
+                <a:srgbClr val="000000"/>
+              </a:solidFill>
+              <a:uFill>
+                <a:solidFill>
+                  <a:srgbClr val="ffffff"/>
+                </a:solidFill>
+              </a:uFill>
+              <a:latin typeface="Arial"/>
+            </a:endParaRPr>
+          </a:p>
+          <a:p>
+            <a:pPr algn="just">
+              <a:lnSpc>
+                <a:spcPct val="100000"/>
+              </a:lnSpc>
+            </a:pPr>
+            <a:r>
+              <a:rPr b="0" lang="pt-BR" sz="2400" spc="-1" strike="noStrike">
+                <a:solidFill>
+                  <a:srgbClr val="ffffff"/>
+                </a:solidFill>
+                <a:uFill>
+                  <a:solidFill>
+                    <a:srgbClr val="ffffff"/>
+                  </a:solidFill>
+                </a:uFill>
+                <a:latin typeface="Arial"/>
+                <a:ea typeface="DejaVu Sans"/>
+              </a:rPr>
+              <a:t>Joziel Alves de Souza </a:t>
+            </a:r>
+            <a:endParaRPr b="0" lang="pt-BR" sz="2400" spc="-1" strike="noStrike">
+              <a:solidFill>
+                <a:srgbClr val="000000"/>
+              </a:solidFill>
+              <a:uFill>
+                <a:solidFill>
+                  <a:srgbClr val="ffffff"/>
+                </a:solidFill>
+              </a:uFill>
+              <a:latin typeface="Arial"/>
+            </a:endParaRPr>
+          </a:p>
+          <a:p>
+            <a:pPr algn="just">
+              <a:lnSpc>
+                <a:spcPct val="100000"/>
+              </a:lnSpc>
+              <a:spcBef>
+                <a:spcPts val="567"/>
+              </a:spcBef>
+              <a:spcAft>
+                <a:spcPts val="567"/>
+              </a:spcAft>
+            </a:pPr>
+            <a:endParaRPr b="0" lang="pt-BR" sz="2400" spc="-1" strike="noStrike">
+              <a:solidFill>
+                <a:srgbClr val="000000"/>
+              </a:solidFill>
+              <a:uFill>
+                <a:solidFill>
+                  <a:srgbClr val="ffffff"/>
+                </a:solidFill>
+              </a:uFill>
+              <a:latin typeface="Arial"/>
+            </a:endParaRPr>
+          </a:p>
+        </p:txBody>
+      </p:sp>
     </p:spTree>
   </p:cSld>
   <p:timing>
     <p:tnLst>
       <p:par>
-        <p:cTn id="25" dur="indefinite" restart="never" nodeType="tmRoot">
+        <p:cTn id="19" dur="indefinite" restart="never" nodeType="tmRoot">
           <p:childTnLst>
             <p:seq>
-              <p:cTn id="26" nodeType="mainSeq"/>
+              <p:cTn id="20" nodeType="mainSeq"/>
               <p:prevCondLst>
                 <p:cond delay="0" evt="onPrev">
                   <p:tgtEl>
